--- a/apresentacao/IBM Project - apresentacao.pptx
+++ b/apresentacao/IBM Project - apresentacao.pptx
@@ -2,37 +2,37 @@
 <file path=ppt/presentation.xml><?xml version="1.0" encoding="utf-8"?>
 <p:presentation xmlns:a="http://schemas.openxmlformats.org/drawingml/2006/main" xmlns:r="http://schemas.openxmlformats.org/officeDocument/2006/relationships" xmlns:p="http://schemas.openxmlformats.org/presentationml/2006/main" embedTrueTypeFonts="1" saveSubsetFonts="1">
   <p:sldMasterIdLst>
-    <p:sldMasterId id="2147483648" r:id="rId1"/>
+    <p:sldMasterId id="2147483648" r:id="rId3"/>
   </p:sldMasterIdLst>
   <p:sldIdLst>
-    <p:sldId id="256" r:id="rId2"/>
-    <p:sldId id="257" r:id="rId3"/>
-    <p:sldId id="258" r:id="rId4"/>
-    <p:sldId id="259" r:id="rId5"/>
-    <p:sldId id="260" r:id="rId6"/>
-    <p:sldId id="261" r:id="rId7"/>
-    <p:sldId id="262" r:id="rId8"/>
-    <p:sldId id="263" r:id="rId9"/>
-    <p:sldId id="264" r:id="rId10"/>
-    <p:sldId id="265" r:id="rId11"/>
+    <p:sldId id="256" r:id="rId4"/>
+    <p:sldId id="257" r:id="rId5"/>
+    <p:sldId id="258" r:id="rId6"/>
+    <p:sldId id="259" r:id="rId7"/>
+    <p:sldId id="260" r:id="rId8"/>
+    <p:sldId id="261" r:id="rId9"/>
+    <p:sldId id="262" r:id="rId10"/>
+    <p:sldId id="263" r:id="rId11"/>
+    <p:sldId id="264" r:id="rId12"/>
+    <p:sldId id="265" r:id="rId13"/>
   </p:sldIdLst>
   <p:sldSz cx="18288000" cy="10287000"/>
   <p:notesSz cx="6858000" cy="9144000"/>
   <p:embeddedFontLst>
     <p:embeddedFont>
       <p:font typeface="Calibri" panose="020F0502020204030204" pitchFamily="34" charset="0"/>
-      <p:regular r:id="rId12"/>
-      <p:bold r:id="rId13"/>
-      <p:italic r:id="rId14"/>
-      <p:boldItalic r:id="rId15"/>
+      <p:regular r:id="rId14"/>
+      <p:bold r:id="rId15"/>
+      <p:italic r:id="rId16"/>
+      <p:boldItalic r:id="rId17"/>
     </p:embeddedFont>
     <p:embeddedFont>
       <p:font typeface="Open Sans" panose="020B0604020202020204" charset="0"/>
-      <p:regular r:id="rId16"/>
+      <p:regular r:id="rId18"/>
     </p:embeddedFont>
     <p:embeddedFont>
       <p:font typeface="Open Sans Bold" panose="020B0604020202020204" charset="0"/>
-      <p:regular r:id="rId17"/>
+      <p:regular r:id="rId19"/>
     </p:embeddedFont>
   </p:embeddedFontLst>
   <p:defaultTextStyle>
@@ -4441,7 +4441,7 @@
         <p:spPr>
           <a:xfrm>
             <a:off x="8111524" y="3450264"/>
-            <a:ext cx="8847773" cy="1566544"/>
+            <a:ext cx="8847773" cy="1545295"/>
           </a:xfrm>
           <a:prstGeom prst="rect">
             <a:avLst/>
@@ -4453,7 +4453,7 @@
           </a:bodyPr>
           <a:lstStyle/>
           <a:p>
-            <a:pPr marL="0" lvl="0" indent="0" algn="ctr">
+            <a:pPr marL="0" lvl="0" indent="0">
               <a:lnSpc>
                 <a:spcPts val="12880"/>
               </a:lnSpc>
@@ -4462,54 +4462,13 @@
               </a:spcBef>
             </a:pPr>
             <a:r>
-              <a:rPr lang="en-US" sz="9200">
+              <a:rPr lang="en-US" sz="9200" dirty="0">
                 <a:solidFill>
                   <a:srgbClr val="000000"/>
                 </a:solidFill>
                 <a:latin typeface="Open Sans Bold"/>
               </a:rPr>
-              <a:t>YOUR PROJECT:</a:t>
-            </a:r>
-          </a:p>
-        </p:txBody>
-      </p:sp>
-      <p:sp>
-        <p:nvSpPr>
-          <p:cNvPr id="51" name="TextBox 51"/>
-          <p:cNvSpPr txBox="1"/>
-          <p:nvPr/>
-        </p:nvSpPr>
-        <p:spPr>
-          <a:xfrm>
-            <a:off x="8111524" y="5051334"/>
-            <a:ext cx="3687812" cy="887095"/>
-          </a:xfrm>
-          <a:prstGeom prst="rect">
-            <a:avLst/>
-          </a:prstGeom>
-        </p:spPr>
-        <p:txBody>
-          <a:bodyPr lIns="0" tIns="0" rIns="0" bIns="0" rtlCol="0" anchor="t">
-            <a:spAutoFit/>
-          </a:bodyPr>
-          <a:lstStyle/>
-          <a:p>
-            <a:pPr marL="0" lvl="0" indent="0" algn="ctr">
-              <a:lnSpc>
-                <a:spcPts val="7279"/>
-              </a:lnSpc>
-              <a:spcBef>
-                <a:spcPct val="0"/>
-              </a:spcBef>
-            </a:pPr>
-            <a:r>
-              <a:rPr lang="en-US" sz="5199">
-                <a:solidFill>
-                  <a:srgbClr val="000000"/>
-                </a:solidFill>
-                <a:latin typeface="Open Sans Bold"/>
-              </a:rPr>
-              <a:t>SUBTÍTULO</a:t>
+              <a:t>EASY HOURS</a:t>
             </a:r>
           </a:p>
         </p:txBody>
@@ -5289,7 +5248,7 @@
 </file>
 
 <file path=ppt/slides/slide2.xml><?xml version="1.0" encoding="utf-8"?>
-<p:sld xmlns:a="http://schemas.openxmlformats.org/drawingml/2006/main" xmlns:r="http://schemas.openxmlformats.org/officeDocument/2006/relationships" xmlns:p="http://schemas.openxmlformats.org/presentationml/2006/main">
+<p:sld xmlns:a="http://schemas.openxmlformats.org/drawingml/2006/main" xmlns:r="http://schemas.openxmlformats.org/officeDocument/2006/relationships" xmlns:p="http://schemas.openxmlformats.org/presentationml/2006/main" show="0">
   <p:cSld>
     <p:spTree>
       <p:nvGrpSpPr>
@@ -6598,7 +6557,7 @@
 </file>
 
 <file path=ppt/slides/slide3.xml><?xml version="1.0" encoding="utf-8"?>
-<p:sld xmlns:a="http://schemas.openxmlformats.org/drawingml/2006/main" xmlns:r="http://schemas.openxmlformats.org/officeDocument/2006/relationships" xmlns:p="http://schemas.openxmlformats.org/presentationml/2006/main">
+<p:sld xmlns:a="http://schemas.openxmlformats.org/drawingml/2006/main" xmlns:r="http://schemas.openxmlformats.org/officeDocument/2006/relationships" xmlns:p="http://schemas.openxmlformats.org/presentationml/2006/main" show="0">
   <p:cSld>
     <p:spTree>
       <p:nvGrpSpPr>
@@ -8056,7 +8015,7 @@
         </p:nvGrpSpPr>
         <p:grpSpPr>
           <a:xfrm>
-            <a:off x="297136" y="1586098"/>
+            <a:off x="217611" y="1668500"/>
             <a:ext cx="6397119" cy="6949999"/>
             <a:chOff x="0" y="0"/>
             <a:chExt cx="1250404" cy="1358472"/>
@@ -8607,15 +8566,15 @@
         </p:nvSpPr>
         <p:spPr>
           <a:xfrm>
-            <a:off x="2059086" y="5557122"/>
-            <a:ext cx="2630388" cy="695959"/>
+            <a:off x="668535" y="5557122"/>
+            <a:ext cx="5247636" cy="683970"/>
           </a:xfrm>
           <a:prstGeom prst="rect">
             <a:avLst/>
           </a:prstGeom>
         </p:spPr>
         <p:txBody>
-          <a:bodyPr lIns="0" tIns="0" rIns="0" bIns="0" rtlCol="0" anchor="t">
+          <a:bodyPr wrap="square" lIns="0" tIns="0" rIns="0" bIns="0" rtlCol="0" anchor="t">
             <a:spAutoFit/>
           </a:bodyPr>
           <a:lstStyle/>
@@ -8629,13 +8588,13 @@
               </a:spcBef>
             </a:pPr>
             <a:r>
-              <a:rPr lang="en-US" sz="4100">
+              <a:rPr lang="en-US" sz="4100" dirty="0">
                 <a:solidFill>
                   <a:srgbClr val="FFFFFF"/>
                 </a:solidFill>
                 <a:latin typeface="Open Sans Bold"/>
               </a:rPr>
-              <a:t>Membro 1</a:t>
+              <a:t>Andrei Matias</a:t>
             </a:r>
           </a:p>
         </p:txBody>
@@ -8648,15 +8607,15 @@
         </p:nvSpPr>
         <p:spPr>
           <a:xfrm>
-            <a:off x="7699060" y="5557122"/>
-            <a:ext cx="2630388" cy="695959"/>
+            <a:off x="6422764" y="5612185"/>
+            <a:ext cx="5228988" cy="683970"/>
           </a:xfrm>
           <a:prstGeom prst="rect">
             <a:avLst/>
           </a:prstGeom>
         </p:spPr>
         <p:txBody>
-          <a:bodyPr lIns="0" tIns="0" rIns="0" bIns="0" rtlCol="0" anchor="t">
+          <a:bodyPr wrap="square" lIns="0" tIns="0" rIns="0" bIns="0" rtlCol="0" anchor="t">
             <a:spAutoFit/>
           </a:bodyPr>
           <a:lstStyle/>
@@ -8670,13 +8629,13 @@
               </a:spcBef>
             </a:pPr>
             <a:r>
-              <a:rPr lang="en-US" sz="4100">
+              <a:rPr lang="en-US" sz="4100" dirty="0">
                 <a:solidFill>
                   <a:srgbClr val="FFFFFF"/>
                 </a:solidFill>
                 <a:latin typeface="Open Sans Bold"/>
               </a:rPr>
-              <a:t>Membro 2</a:t>
+              <a:t>Danilo Rodrigues</a:t>
             </a:r>
           </a:p>
         </p:txBody>
@@ -8689,15 +8648,15 @@
         </p:nvSpPr>
         <p:spPr>
           <a:xfrm>
-            <a:off x="13369084" y="5557122"/>
-            <a:ext cx="2630388" cy="695959"/>
+            <a:off x="12129829" y="5578981"/>
+            <a:ext cx="5228988" cy="683970"/>
           </a:xfrm>
           <a:prstGeom prst="rect">
             <a:avLst/>
           </a:prstGeom>
         </p:spPr>
         <p:txBody>
-          <a:bodyPr lIns="0" tIns="0" rIns="0" bIns="0" rtlCol="0" anchor="t">
+          <a:bodyPr wrap="square" lIns="0" tIns="0" rIns="0" bIns="0" rtlCol="0" anchor="t">
             <a:spAutoFit/>
           </a:bodyPr>
           <a:lstStyle/>
@@ -8711,13 +8670,13 @@
               </a:spcBef>
             </a:pPr>
             <a:r>
-              <a:rPr lang="en-US" sz="4100">
+              <a:rPr lang="en-US" sz="4100" dirty="0">
                 <a:solidFill>
                   <a:srgbClr val="FFFFFF"/>
                 </a:solidFill>
                 <a:latin typeface="Open Sans Bold"/>
               </a:rPr>
-              <a:t>Membro 3</a:t>
+              <a:t>Gabriel Mendes</a:t>
             </a:r>
           </a:p>
         </p:txBody>
@@ -9299,8 +9258,49 @@
         </p:nvSpPr>
         <p:spPr>
           <a:xfrm>
-            <a:off x="1620242" y="1297970"/>
-            <a:ext cx="6663372" cy="1226808"/>
+            <a:off x="0" y="1297970"/>
+            <a:ext cx="8283614" cy="1226808"/>
+          </a:xfrm>
+          <a:prstGeom prst="rect">
+            <a:avLst/>
+          </a:prstGeom>
+        </p:spPr>
+        <p:txBody>
+          <a:bodyPr wrap="square" lIns="0" tIns="0" rIns="0" bIns="0" rtlCol="0" anchor="t">
+            <a:spAutoFit/>
+          </a:bodyPr>
+          <a:lstStyle/>
+          <a:p>
+            <a:pPr marL="0" lvl="0" indent="0" algn="ctr">
+              <a:lnSpc>
+                <a:spcPts val="10080"/>
+              </a:lnSpc>
+              <a:spcBef>
+                <a:spcPct val="0"/>
+              </a:spcBef>
+            </a:pPr>
+            <a:r>
+              <a:rPr lang="en-US" sz="7200" dirty="0">
+                <a:solidFill>
+                  <a:srgbClr val="B20000"/>
+                </a:solidFill>
+                <a:latin typeface="Open Sans Bold"/>
+              </a:rPr>
+              <a:t>EASY HOURS</a:t>
+            </a:r>
+          </a:p>
+        </p:txBody>
+      </p:sp>
+      <p:sp>
+        <p:nvSpPr>
+          <p:cNvPr id="21" name="TextBox 21"/>
+          <p:cNvSpPr txBox="1"/>
+          <p:nvPr/>
+        </p:nvSpPr>
+        <p:spPr>
+          <a:xfrm>
+            <a:off x="7548190" y="2876034"/>
+            <a:ext cx="3191619" cy="887095"/>
           </a:xfrm>
           <a:prstGeom prst="rect">
             <a:avLst/>
@@ -9314,34 +9314,34 @@
           <a:p>
             <a:pPr marL="0" lvl="0" indent="0" algn="ctr">
               <a:lnSpc>
-                <a:spcPts val="10080"/>
+                <a:spcPts val="7279"/>
               </a:lnSpc>
               <a:spcBef>
                 <a:spcPct val="0"/>
               </a:spcBef>
             </a:pPr>
             <a:r>
-              <a:rPr lang="en-US" sz="7200">
+              <a:rPr lang="en-US" sz="5199">
                 <a:solidFill>
-                  <a:srgbClr val="B20000"/>
+                  <a:srgbClr val="FFFFFF"/>
                 </a:solidFill>
-                <a:latin typeface="Open Sans Bold"/>
+                <a:latin typeface="Open Sans"/>
               </a:rPr>
-              <a:t>YOUR PROJECT</a:t>
+              <a:t>DETALHES</a:t>
             </a:r>
           </a:p>
         </p:txBody>
       </p:sp>
       <p:sp>
         <p:nvSpPr>
-          <p:cNvPr id="21" name="TextBox 21"/>
+          <p:cNvPr id="22" name="TextBox 22"/>
           <p:cNvSpPr txBox="1"/>
           <p:nvPr/>
         </p:nvSpPr>
         <p:spPr>
           <a:xfrm>
-            <a:off x="7548190" y="2876034"/>
-            <a:ext cx="3191619" cy="887095"/>
+            <a:off x="4666105" y="5076825"/>
+            <a:ext cx="11130583" cy="2380615"/>
           </a:xfrm>
           <a:prstGeom prst="rect">
             <a:avLst/>
@@ -9353,47 +9353,6 @@
           </a:bodyPr>
           <a:lstStyle/>
           <a:p>
-            <a:pPr marL="0" lvl="0" indent="0" algn="ctr">
-              <a:lnSpc>
-                <a:spcPts val="7279"/>
-              </a:lnSpc>
-              <a:spcBef>
-                <a:spcPct val="0"/>
-              </a:spcBef>
-            </a:pPr>
-            <a:r>
-              <a:rPr lang="en-US" sz="5199">
-                <a:solidFill>
-                  <a:srgbClr val="FFFFFF"/>
-                </a:solidFill>
-                <a:latin typeface="Open Sans"/>
-              </a:rPr>
-              <a:t>DETALHES</a:t>
-            </a:r>
-          </a:p>
-        </p:txBody>
-      </p:sp>
-      <p:sp>
-        <p:nvSpPr>
-          <p:cNvPr id="22" name="TextBox 22"/>
-          <p:cNvSpPr txBox="1"/>
-          <p:nvPr/>
-        </p:nvSpPr>
-        <p:spPr>
-          <a:xfrm>
-            <a:off x="4666105" y="5076825"/>
-            <a:ext cx="11130583" cy="2380615"/>
-          </a:xfrm>
-          <a:prstGeom prst="rect">
-            <a:avLst/>
-          </a:prstGeom>
-        </p:spPr>
-        <p:txBody>
-          <a:bodyPr lIns="0" tIns="0" rIns="0" bIns="0" rtlCol="0" anchor="t">
-            <a:spAutoFit/>
-          </a:bodyPr>
-          <a:lstStyle/>
-          <a:p>
             <a:pPr marL="0" lvl="0" indent="0" algn="just">
               <a:lnSpc>
                 <a:spcPts val="4759"/>
@@ -9403,13 +9362,283 @@
               </a:spcBef>
             </a:pPr>
             <a:r>
-              <a:rPr lang="en-US" sz="3399">
+              <a:rPr lang="en-US" sz="3399" dirty="0">
                 <a:solidFill>
                   <a:srgbClr val="000000"/>
                 </a:solidFill>
                 <a:latin typeface="Open Sans"/>
               </a:rPr>
-              <a:t>Lorem ipsum dolor sit amet, consectetur adipiscing elit. Etiam sit amet libero nulla. Duis suscipit enim justo, in maximus sapien ultricies in. Maecenas quis ullamcorper eros. </a:t>
+              <a:t>Lorem ipsum dolor sit </a:t>
+            </a:r>
+            <a:r>
+              <a:rPr lang="en-US" sz="3399" dirty="0" err="1">
+                <a:solidFill>
+                  <a:srgbClr val="000000"/>
+                </a:solidFill>
+                <a:latin typeface="Open Sans"/>
+              </a:rPr>
+              <a:t>amet</a:t>
+            </a:r>
+            <a:r>
+              <a:rPr lang="en-US" sz="3399" dirty="0">
+                <a:solidFill>
+                  <a:srgbClr val="000000"/>
+                </a:solidFill>
+                <a:latin typeface="Open Sans"/>
+              </a:rPr>
+              <a:t>, </a:t>
+            </a:r>
+            <a:r>
+              <a:rPr lang="en-US" sz="3399" dirty="0" err="1">
+                <a:solidFill>
+                  <a:srgbClr val="000000"/>
+                </a:solidFill>
+                <a:latin typeface="Open Sans"/>
+              </a:rPr>
+              <a:t>consectetur</a:t>
+            </a:r>
+            <a:r>
+              <a:rPr lang="en-US" sz="3399" dirty="0">
+                <a:solidFill>
+                  <a:srgbClr val="000000"/>
+                </a:solidFill>
+                <a:latin typeface="Open Sans"/>
+              </a:rPr>
+              <a:t> </a:t>
+            </a:r>
+            <a:r>
+              <a:rPr lang="en-US" sz="3399" dirty="0" err="1">
+                <a:solidFill>
+                  <a:srgbClr val="000000"/>
+                </a:solidFill>
+                <a:latin typeface="Open Sans"/>
+              </a:rPr>
+              <a:t>adipiscing</a:t>
+            </a:r>
+            <a:r>
+              <a:rPr lang="en-US" sz="3399" dirty="0">
+                <a:solidFill>
+                  <a:srgbClr val="000000"/>
+                </a:solidFill>
+                <a:latin typeface="Open Sans"/>
+              </a:rPr>
+              <a:t> </a:t>
+            </a:r>
+            <a:r>
+              <a:rPr lang="en-US" sz="3399" dirty="0" err="1">
+                <a:solidFill>
+                  <a:srgbClr val="000000"/>
+                </a:solidFill>
+                <a:latin typeface="Open Sans"/>
+              </a:rPr>
+              <a:t>elit</a:t>
+            </a:r>
+            <a:r>
+              <a:rPr lang="en-US" sz="3399" dirty="0">
+                <a:solidFill>
+                  <a:srgbClr val="000000"/>
+                </a:solidFill>
+                <a:latin typeface="Open Sans"/>
+              </a:rPr>
+              <a:t>. </a:t>
+            </a:r>
+            <a:r>
+              <a:rPr lang="en-US" sz="3399" dirty="0" err="1">
+                <a:solidFill>
+                  <a:srgbClr val="000000"/>
+                </a:solidFill>
+                <a:latin typeface="Open Sans"/>
+              </a:rPr>
+              <a:t>Etiam</a:t>
+            </a:r>
+            <a:r>
+              <a:rPr lang="en-US" sz="3399" dirty="0">
+                <a:solidFill>
+                  <a:srgbClr val="000000"/>
+                </a:solidFill>
+                <a:latin typeface="Open Sans"/>
+              </a:rPr>
+              <a:t> sit </a:t>
+            </a:r>
+            <a:r>
+              <a:rPr lang="en-US" sz="3399" dirty="0" err="1">
+                <a:solidFill>
+                  <a:srgbClr val="000000"/>
+                </a:solidFill>
+                <a:latin typeface="Open Sans"/>
+              </a:rPr>
+              <a:t>amet</a:t>
+            </a:r>
+            <a:r>
+              <a:rPr lang="en-US" sz="3399" dirty="0">
+                <a:solidFill>
+                  <a:srgbClr val="000000"/>
+                </a:solidFill>
+                <a:latin typeface="Open Sans"/>
+              </a:rPr>
+              <a:t> libero </a:t>
+            </a:r>
+            <a:r>
+              <a:rPr lang="en-US" sz="3399" dirty="0" err="1">
+                <a:solidFill>
+                  <a:srgbClr val="000000"/>
+                </a:solidFill>
+                <a:latin typeface="Open Sans"/>
+              </a:rPr>
+              <a:t>nulla</a:t>
+            </a:r>
+            <a:r>
+              <a:rPr lang="en-US" sz="3399" dirty="0">
+                <a:solidFill>
+                  <a:srgbClr val="000000"/>
+                </a:solidFill>
+                <a:latin typeface="Open Sans"/>
+              </a:rPr>
+              <a:t>. Duis </a:t>
+            </a:r>
+            <a:r>
+              <a:rPr lang="en-US" sz="3399" dirty="0" err="1">
+                <a:solidFill>
+                  <a:srgbClr val="000000"/>
+                </a:solidFill>
+                <a:latin typeface="Open Sans"/>
+              </a:rPr>
+              <a:t>suscipit</a:t>
+            </a:r>
+            <a:r>
+              <a:rPr lang="en-US" sz="3399" dirty="0">
+                <a:solidFill>
+                  <a:srgbClr val="000000"/>
+                </a:solidFill>
+                <a:latin typeface="Open Sans"/>
+              </a:rPr>
+              <a:t> </a:t>
+            </a:r>
+            <a:r>
+              <a:rPr lang="en-US" sz="3399" dirty="0" err="1">
+                <a:solidFill>
+                  <a:srgbClr val="000000"/>
+                </a:solidFill>
+                <a:latin typeface="Open Sans"/>
+              </a:rPr>
+              <a:t>enim</a:t>
+            </a:r>
+            <a:r>
+              <a:rPr lang="en-US" sz="3399" dirty="0">
+                <a:solidFill>
+                  <a:srgbClr val="000000"/>
+                </a:solidFill>
+                <a:latin typeface="Open Sans"/>
+              </a:rPr>
+              <a:t> </a:t>
+            </a:r>
+            <a:r>
+              <a:rPr lang="en-US" sz="3399" dirty="0" err="1">
+                <a:solidFill>
+                  <a:srgbClr val="000000"/>
+                </a:solidFill>
+                <a:latin typeface="Open Sans"/>
+              </a:rPr>
+              <a:t>justo</a:t>
+            </a:r>
+            <a:r>
+              <a:rPr lang="en-US" sz="3399" dirty="0">
+                <a:solidFill>
+                  <a:srgbClr val="000000"/>
+                </a:solidFill>
+                <a:latin typeface="Open Sans"/>
+              </a:rPr>
+              <a:t>, in maximus </a:t>
+            </a:r>
+            <a:r>
+              <a:rPr lang="en-US" sz="3399" dirty="0" err="1">
+                <a:solidFill>
+                  <a:srgbClr val="000000"/>
+                </a:solidFill>
+                <a:latin typeface="Open Sans"/>
+              </a:rPr>
+              <a:t>sapien</a:t>
+            </a:r>
+            <a:r>
+              <a:rPr lang="en-US" sz="3399" dirty="0">
+                <a:solidFill>
+                  <a:srgbClr val="000000"/>
+                </a:solidFill>
+                <a:latin typeface="Open Sans"/>
+              </a:rPr>
+              <a:t> </a:t>
+            </a:r>
+            <a:r>
+              <a:rPr lang="en-US" sz="3399" dirty="0" err="1">
+                <a:solidFill>
+                  <a:srgbClr val="000000"/>
+                </a:solidFill>
+                <a:latin typeface="Open Sans"/>
+              </a:rPr>
+              <a:t>ultricies</a:t>
+            </a:r>
+            <a:r>
+              <a:rPr lang="en-US" sz="3399" dirty="0">
+                <a:solidFill>
+                  <a:srgbClr val="000000"/>
+                </a:solidFill>
+                <a:latin typeface="Open Sans"/>
+              </a:rPr>
+              <a:t> in. Maecenas </a:t>
+            </a:r>
+            <a:r>
+              <a:rPr lang="en-US" sz="3399" dirty="0" err="1">
+                <a:solidFill>
+                  <a:srgbClr val="000000"/>
+                </a:solidFill>
+                <a:latin typeface="Open Sans"/>
+              </a:rPr>
+              <a:t>quis</a:t>
+            </a:r>
+            <a:r>
+              <a:rPr lang="en-US" sz="3399" dirty="0">
+                <a:solidFill>
+                  <a:srgbClr val="000000"/>
+                </a:solidFill>
+                <a:latin typeface="Open Sans"/>
+              </a:rPr>
+              <a:t> </a:t>
+            </a:r>
+            <a:r>
+              <a:rPr lang="en-US" sz="3399" dirty="0" err="1">
+                <a:solidFill>
+                  <a:srgbClr val="000000"/>
+                </a:solidFill>
+                <a:latin typeface="Open Sans"/>
+              </a:rPr>
+              <a:t>ullamcorper</a:t>
+            </a:r>
+            <a:r>
+              <a:rPr lang="en-US" sz="3399" dirty="0">
+                <a:solidFill>
+                  <a:srgbClr val="000000"/>
+                </a:solidFill>
+                <a:latin typeface="Open Sans"/>
+              </a:rPr>
+              <a:t> </a:t>
+            </a:r>
+            <a:r>
+              <a:rPr lang="en-US" sz="3399" dirty="0" err="1">
+                <a:solidFill>
+                  <a:srgbClr val="000000"/>
+                </a:solidFill>
+                <a:latin typeface="Open Sans"/>
+              </a:rPr>
+              <a:t>eros</a:t>
+            </a:r>
+            <a:r>
+              <a:rPr lang="en-US" sz="3399" dirty="0">
+                <a:solidFill>
+                  <a:srgbClr val="000000"/>
+                </a:solidFill>
+                <a:latin typeface="Open Sans"/>
+              </a:rPr>
+              <a:t>. </a:t>
             </a:r>
           </a:p>
         </p:txBody>
@@ -9965,7 +10194,7 @@
               </a:spcBef>
             </a:pPr>
             <a:r>
-              <a:rPr lang="en-US" sz="7200">
+              <a:rPr lang="en-US" sz="7200" dirty="0">
                 <a:solidFill>
                   <a:srgbClr val="FFFFFF"/>
                 </a:solidFill>
@@ -12735,6 +12964,15 @@
 </file>
 
 <file path=customXml/item1.xml><?xml version="1.0" encoding="utf-8"?>
+<?mso-contentType ?>
+<FormTemplates xmlns="http://schemas.microsoft.com/sharepoint/v3/contenttype/forms">
+  <Display>DocumentLibraryForm</Display>
+  <Edit>DocumentLibraryForm</Edit>
+  <New>DocumentLibraryForm</New>
+</FormTemplates>
+</file>
+
+<file path=customXml/item2.xml><?xml version="1.0" encoding="utf-8"?>
 <ct:contentTypeSchema xmlns:ct="http://schemas.microsoft.com/office/2006/metadata/contentType" xmlns:ma="http://schemas.microsoft.com/office/2006/metadata/properties/metaAttributes" ct:_="" ma:_="" ma:contentTypeName="Documento" ma:contentTypeID="0x010100A2FD76A2155F3246B886EC6370A02385" ma:contentTypeVersion="5" ma:contentTypeDescription="Crie um novo documento." ma:contentTypeScope="" ma:versionID="8b4d41fc44b9c4e568ff929ba878c65d">
   <xsd:schema xmlns:xsd="http://www.w3.org/2001/XMLSchema" xmlns:xs="http://www.w3.org/2001/XMLSchema" xmlns:p="http://schemas.microsoft.com/office/2006/metadata/properties" xmlns:ns2="70bf03d2-b474-4d0e-8565-8e542d7c5d73" targetNamespace="http://schemas.microsoft.com/office/2006/metadata/properties" ma:root="true" ma:fieldsID="bc0d20a9489758f352426008908efb3c" ns2:_="">
     <xsd:import namespace="70bf03d2-b474-4d0e-8565-8e542d7c5d73"/>
@@ -12884,19 +13122,28 @@
 </ct:contentTypeSchema>
 </file>
 
-<file path=customXml/item2.xml><?xml version="1.0" encoding="utf-8"?>
-<?mso-contentType ?>
-<FormTemplates xmlns="http://schemas.microsoft.com/sharepoint/v3/contenttype/forms">
-  <Display>DocumentLibraryForm</Display>
-  <Edit>DocumentLibraryForm</Edit>
-  <New>DocumentLibraryForm</New>
-</FormTemplates>
-</file>
-
 <file path=customXml/itemProps1.xml><?xml version="1.0" encoding="utf-8"?>
-<ds:datastoreItem xmlns:ds="http://schemas.openxmlformats.org/officeDocument/2006/customXml" ds:itemID="{D8190B7E-7E7F-4EC3-9B7B-D36F50591F4E}"/>
+<ds:datastoreItem xmlns:ds="http://schemas.openxmlformats.org/officeDocument/2006/customXml" ds:itemID="{3EC58BC4-494B-4FC9-85C5-8E8A6E55EE2A}">
+  <ds:schemaRefs>
+    <ds:schemaRef ds:uri="http://schemas.microsoft.com/sharepoint/v3/contenttype/forms"/>
+  </ds:schemaRefs>
+</ds:datastoreItem>
 </file>
 
 <file path=customXml/itemProps2.xml><?xml version="1.0" encoding="utf-8"?>
-<ds:datastoreItem xmlns:ds="http://schemas.openxmlformats.org/officeDocument/2006/customXml" ds:itemID="{3EC58BC4-494B-4FC9-85C5-8E8A6E55EE2A}"/>
+<ds:datastoreItem xmlns:ds="http://schemas.openxmlformats.org/officeDocument/2006/customXml" ds:itemID="{D8190B7E-7E7F-4EC3-9B7B-D36F50591F4E}">
+  <ds:schemaRefs>
+    <ds:schemaRef ds:uri="http://schemas.microsoft.com/office/2006/metadata/contentType"/>
+    <ds:schemaRef ds:uri="http://schemas.microsoft.com/office/2006/metadata/properties/metaAttributes"/>
+    <ds:schemaRef ds:uri="http://www.w3.org/2001/XMLSchema"/>
+    <ds:schemaRef ds:uri="http://schemas.microsoft.com/office/2006/metadata/properties"/>
+    <ds:schemaRef ds:uri="70bf03d2-b474-4d0e-8565-8e542d7c5d73"/>
+    <ds:schemaRef ds:uri="http://schemas.microsoft.com/office/2006/documentManagement/types"/>
+    <ds:schemaRef ds:uri="http://schemas.microsoft.com/office/infopath/2007/PartnerControls"/>
+    <ds:schemaRef ds:uri="http://schemas.openxmlformats.org/package/2006/metadata/core-properties"/>
+    <ds:schemaRef ds:uri="http://purl.org/dc/elements/1.1/"/>
+    <ds:schemaRef ds:uri="http://purl.org/dc/terms/"/>
+    <ds:schemaRef ds:uri="http://schemas.microsoft.com/internal/obd"/>
+  </ds:schemaRefs>
+</ds:datastoreItem>
 </file>